--- a/Presentation.pptx
+++ b/Presentation.pptx
@@ -646,7 +646,7 @@
           <a:lstStyle/>
           <a:p>
             <a:r>
-              <a:rPr lang="en-GB"/>
+              <a:rPr lang="en-GB" dirty="0"/>
               <a:t>Any Questions?</a:t>
             </a:r>
           </a:p>

--- a/Presentation.pptx
+++ b/Presentation.pptx
@@ -819,9 +819,12 @@
           <a:bodyPr/>
           <a:lstStyle/>
           <a:p>
-            <a:r>
-              <a:rPr lang="en-GB" dirty="0"/>
-              <a:t>I took this topic as it was related to my interests in simulations, software development and history.</a:t>
+            <a:pPr marL="0" indent="0">
+              <a:buNone/>
+            </a:pPr>
+            <a:r>
+              <a:rPr lang="en-GB" sz="1200" dirty="0"/>
+              <a:t>I decided to take this topic as my project due to my interest in both simulations, as well as world history. Software development also happens to be a passion of mine, so developing a program during the creation of the project allowed me to indulge in something I have interest in.</a:t>
             </a:r>
           </a:p>
         </p:txBody>
@@ -41688,6 +41691,41 @@
           </a:extLst>
         </p:spPr>
       </p:pic>
+      <p:sp>
+        <p:nvSpPr>
+          <p:cNvPr id="6" name="TextBox 5">
+            <a:extLst>
+              <a:ext uri="{FF2B5EF4-FFF2-40B4-BE49-F238E27FC236}">
+                <a16:creationId xmlns:a16="http://schemas.microsoft.com/office/drawing/2014/main" id="{53DE010C-6501-4B02-8A30-8CBEF35D88F9}"/>
+              </a:ext>
+            </a:extLst>
+          </p:cNvPr>
+          <p:cNvSpPr txBox="1"/>
+          <p:nvPr/>
+        </p:nvSpPr>
+        <p:spPr>
+          <a:xfrm>
+            <a:off x="0" y="6488668"/>
+            <a:ext cx="756938" cy="369332"/>
+          </a:xfrm>
+          <a:prstGeom prst="rect">
+            <a:avLst/>
+          </a:prstGeom>
+          <a:noFill/>
+        </p:spPr>
+        <p:txBody>
+          <a:bodyPr wrap="none" rtlCol="0">
+            <a:spAutoFit/>
+          </a:bodyPr>
+          <a:lstStyle/>
+          <a:p>
+            <a:r>
+              <a:rPr lang="en-GB" dirty="0"/>
+              <a:t>00:30</a:t>
+            </a:r>
+          </a:p>
+        </p:txBody>
+      </p:sp>
     </p:spTree>
     <p:extLst>
       <p:ext uri="{BB962C8B-B14F-4D97-AF65-F5344CB8AC3E}">
@@ -41698,6 +41736,14 @@
   <p:clrMapOvr>
     <a:masterClrMapping/>
   </p:clrMapOvr>
+  <mc:AlternateContent xmlns:mc="http://schemas.openxmlformats.org/markup-compatibility/2006">
+    <mc:Choice xmlns:p14="http://schemas.microsoft.com/office/powerpoint/2010/main" Requires="p14">
+      <p:transition spd="slow" p14:dur="2000" advTm="30000"/>
+    </mc:Choice>
+    <mc:Fallback>
+      <p:transition spd="slow" advTm="30000"/>
+    </mc:Fallback>
+  </mc:AlternateContent>
 </p:sld>
 </file>
 
@@ -41779,6 +41825,41 @@
           </a:p>
         </p:txBody>
       </p:sp>
+      <p:sp>
+        <p:nvSpPr>
+          <p:cNvPr id="4" name="TextBox 3">
+            <a:extLst>
+              <a:ext uri="{FF2B5EF4-FFF2-40B4-BE49-F238E27FC236}">
+                <a16:creationId xmlns:a16="http://schemas.microsoft.com/office/drawing/2014/main" id="{B4787981-B610-4E72-9AE1-407765771AAD}"/>
+              </a:ext>
+            </a:extLst>
+          </p:cNvPr>
+          <p:cNvSpPr txBox="1"/>
+          <p:nvPr/>
+        </p:nvSpPr>
+        <p:spPr>
+          <a:xfrm>
+            <a:off x="0" y="6488668"/>
+            <a:ext cx="635110" cy="369332"/>
+          </a:xfrm>
+          <a:prstGeom prst="rect">
+            <a:avLst/>
+          </a:prstGeom>
+          <a:noFill/>
+        </p:spPr>
+        <p:txBody>
+          <a:bodyPr wrap="none" rtlCol="0">
+            <a:spAutoFit/>
+          </a:bodyPr>
+          <a:lstStyle/>
+          <a:p>
+            <a:r>
+              <a:rPr lang="en-GB" dirty="0"/>
+              <a:t>0:20</a:t>
+            </a:r>
+          </a:p>
+        </p:txBody>
+      </p:sp>
     </p:spTree>
     <p:extLst>
       <p:ext uri="{BB962C8B-B14F-4D97-AF65-F5344CB8AC3E}">
@@ -41789,6 +41870,14 @@
   <p:clrMapOvr>
     <a:masterClrMapping/>
   </p:clrMapOvr>
+  <mc:AlternateContent xmlns:mc="http://schemas.openxmlformats.org/markup-compatibility/2006">
+    <mc:Choice xmlns:p14="http://schemas.microsoft.com/office/powerpoint/2010/main" Requires="p14">
+      <p:transition spd="slow" p14:dur="2000" advTm="20000"/>
+    </mc:Choice>
+    <mc:Fallback>
+      <p:transition spd="slow" advTm="20000"/>
+    </mc:Fallback>
+  </mc:AlternateContent>
 </p:sld>
 </file>
 
@@ -41891,6 +41980,41 @@
           </a:p>
         </p:txBody>
       </p:sp>
+      <p:sp>
+        <p:nvSpPr>
+          <p:cNvPr id="4" name="TextBox 3">
+            <a:extLst>
+              <a:ext uri="{FF2B5EF4-FFF2-40B4-BE49-F238E27FC236}">
+                <a16:creationId xmlns:a16="http://schemas.microsoft.com/office/drawing/2014/main" id="{8997B7BB-55F0-4ED9-A698-E035869BE450}"/>
+              </a:ext>
+            </a:extLst>
+          </p:cNvPr>
+          <p:cNvSpPr txBox="1"/>
+          <p:nvPr/>
+        </p:nvSpPr>
+        <p:spPr>
+          <a:xfrm>
+            <a:off x="0" y="6488668"/>
+            <a:ext cx="756938" cy="369332"/>
+          </a:xfrm>
+          <a:prstGeom prst="rect">
+            <a:avLst/>
+          </a:prstGeom>
+          <a:noFill/>
+        </p:spPr>
+        <p:txBody>
+          <a:bodyPr wrap="none" rtlCol="0">
+            <a:spAutoFit/>
+          </a:bodyPr>
+          <a:lstStyle/>
+          <a:p>
+            <a:r>
+              <a:rPr lang="en-GB" dirty="0"/>
+              <a:t>00:20</a:t>
+            </a:r>
+          </a:p>
+        </p:txBody>
+      </p:sp>
     </p:spTree>
     <p:extLst>
       <p:ext uri="{BB962C8B-B14F-4D97-AF65-F5344CB8AC3E}">
@@ -41901,6 +42025,14 @@
   <p:clrMapOvr>
     <a:masterClrMapping/>
   </p:clrMapOvr>
+  <mc:AlternateContent xmlns:mc="http://schemas.openxmlformats.org/markup-compatibility/2006">
+    <mc:Choice xmlns:p14="http://schemas.microsoft.com/office/powerpoint/2010/main" Requires="p14">
+      <p:transition spd="slow" p14:dur="2000" advTm="20000"/>
+    </mc:Choice>
+    <mc:Fallback>
+      <p:transition spd="slow" advTm="20000"/>
+    </mc:Fallback>
+  </mc:AlternateContent>
 </p:sld>
 </file>
 
@@ -42137,6 +42269,41 @@
           </a:extLst>
         </p:spPr>
       </p:pic>
+      <p:sp>
+        <p:nvSpPr>
+          <p:cNvPr id="5" name="TextBox 4">
+            <a:extLst>
+              <a:ext uri="{FF2B5EF4-FFF2-40B4-BE49-F238E27FC236}">
+                <a16:creationId xmlns:a16="http://schemas.microsoft.com/office/drawing/2014/main" id="{1CDB9531-82A1-46E2-A1A9-2A4A3B95A56D}"/>
+              </a:ext>
+            </a:extLst>
+          </p:cNvPr>
+          <p:cNvSpPr txBox="1"/>
+          <p:nvPr/>
+        </p:nvSpPr>
+        <p:spPr>
+          <a:xfrm>
+            <a:off x="1969" y="6443932"/>
+            <a:ext cx="635110" cy="369332"/>
+          </a:xfrm>
+          <a:prstGeom prst="rect">
+            <a:avLst/>
+          </a:prstGeom>
+          <a:noFill/>
+        </p:spPr>
+        <p:txBody>
+          <a:bodyPr wrap="none" rtlCol="0">
+            <a:spAutoFit/>
+          </a:bodyPr>
+          <a:lstStyle/>
+          <a:p>
+            <a:r>
+              <a:rPr lang="en-GB" dirty="0"/>
+              <a:t>1:10</a:t>
+            </a:r>
+          </a:p>
+        </p:txBody>
+      </p:sp>
     </p:spTree>
     <p:extLst>
       <p:ext uri="{BB962C8B-B14F-4D97-AF65-F5344CB8AC3E}">
@@ -42147,6 +42314,14 @@
   <p:clrMapOvr>
     <a:masterClrMapping/>
   </p:clrMapOvr>
+  <mc:AlternateContent xmlns:mc="http://schemas.openxmlformats.org/markup-compatibility/2006">
+    <mc:Choice xmlns:p14="http://schemas.microsoft.com/office/powerpoint/2010/main" Requires="p14">
+      <p:transition spd="slow" p14:dur="2000" advTm="70000"/>
+    </mc:Choice>
+    <mc:Fallback>
+      <p:transition spd="slow" advTm="70000"/>
+    </mc:Fallback>
+  </mc:AlternateContent>
 </p:sld>
 </file>
 
@@ -42417,6 +42592,41 @@
           </a:extLst>
         </p:spPr>
       </p:pic>
+      <p:sp>
+        <p:nvSpPr>
+          <p:cNvPr id="8" name="TextBox 7">
+            <a:extLst>
+              <a:ext uri="{FF2B5EF4-FFF2-40B4-BE49-F238E27FC236}">
+                <a16:creationId xmlns:a16="http://schemas.microsoft.com/office/drawing/2014/main" id="{0FF74C7F-731A-4344-BDD8-3F199DDBCCC7}"/>
+              </a:ext>
+            </a:extLst>
+          </p:cNvPr>
+          <p:cNvSpPr txBox="1"/>
+          <p:nvPr/>
+        </p:nvSpPr>
+        <p:spPr>
+          <a:xfrm>
+            <a:off x="-22133" y="6516091"/>
+            <a:ext cx="635110" cy="369332"/>
+          </a:xfrm>
+          <a:prstGeom prst="rect">
+            <a:avLst/>
+          </a:prstGeom>
+          <a:noFill/>
+        </p:spPr>
+        <p:txBody>
+          <a:bodyPr wrap="none" rtlCol="0">
+            <a:spAutoFit/>
+          </a:bodyPr>
+          <a:lstStyle/>
+          <a:p>
+            <a:r>
+              <a:rPr lang="en-GB" dirty="0"/>
+              <a:t>1:10</a:t>
+            </a:r>
+          </a:p>
+        </p:txBody>
+      </p:sp>
     </p:spTree>
     <p:extLst>
       <p:ext uri="{BB962C8B-B14F-4D97-AF65-F5344CB8AC3E}">
@@ -42427,6 +42637,14 @@
   <p:clrMapOvr>
     <a:masterClrMapping/>
   </p:clrMapOvr>
+  <mc:AlternateContent xmlns:mc="http://schemas.openxmlformats.org/markup-compatibility/2006">
+    <mc:Choice xmlns:p14="http://schemas.microsoft.com/office/powerpoint/2010/main" Requires="p14">
+      <p:transition spd="slow" p14:dur="2000" advTm="70000"/>
+    </mc:Choice>
+    <mc:Fallback>
+      <p:transition spd="slow" advTm="70000"/>
+    </mc:Fallback>
+  </mc:AlternateContent>
 </p:sld>
 </file>
 
@@ -42609,6 +42827,44 @@
           </a:p>
         </p:txBody>
       </p:sp>
+      <p:sp>
+        <p:nvSpPr>
+          <p:cNvPr id="6" name="TextBox 5">
+            <a:extLst>
+              <a:ext uri="{FF2B5EF4-FFF2-40B4-BE49-F238E27FC236}">
+                <a16:creationId xmlns:a16="http://schemas.microsoft.com/office/drawing/2014/main" id="{B2C08205-407D-4E82-BCB2-B00CC1450481}"/>
+              </a:ext>
+            </a:extLst>
+          </p:cNvPr>
+          <p:cNvSpPr txBox="1"/>
+          <p:nvPr/>
+        </p:nvSpPr>
+        <p:spPr>
+          <a:xfrm>
+            <a:off x="0" y="6534834"/>
+            <a:ext cx="756938" cy="646331"/>
+          </a:xfrm>
+          <a:prstGeom prst="rect">
+            <a:avLst/>
+          </a:prstGeom>
+          <a:noFill/>
+        </p:spPr>
+        <p:txBody>
+          <a:bodyPr wrap="none" rtlCol="0">
+            <a:spAutoFit/>
+          </a:bodyPr>
+          <a:lstStyle/>
+          <a:p>
+            <a:r>
+              <a:rPr lang="en-GB" dirty="0"/>
+              <a:t>00:40</a:t>
+            </a:r>
+          </a:p>
+          <a:p>
+            <a:endParaRPr lang="en-GB" dirty="0"/>
+          </a:p>
+        </p:txBody>
+      </p:sp>
     </p:spTree>
     <p:extLst>
       <p:ext uri="{BB962C8B-B14F-4D97-AF65-F5344CB8AC3E}">
@@ -42619,6 +42875,14 @@
   <p:clrMapOvr>
     <a:masterClrMapping/>
   </p:clrMapOvr>
+  <mc:AlternateContent xmlns:mc="http://schemas.openxmlformats.org/markup-compatibility/2006">
+    <mc:Choice xmlns:p14="http://schemas.microsoft.com/office/powerpoint/2010/main" Requires="p14">
+      <p:transition spd="slow" p14:dur="2000" advTm="40000"/>
+    </mc:Choice>
+    <mc:Fallback>
+      <p:transition spd="slow" advTm="40000"/>
+    </mc:Fallback>
+  </mc:AlternateContent>
 </p:sld>
 </file>
 
@@ -42867,6 +43131,41 @@
           </a:extLst>
         </p:spPr>
       </p:pic>
+      <p:sp>
+        <p:nvSpPr>
+          <p:cNvPr id="5" name="TextBox 4">
+            <a:extLst>
+              <a:ext uri="{FF2B5EF4-FFF2-40B4-BE49-F238E27FC236}">
+                <a16:creationId xmlns:a16="http://schemas.microsoft.com/office/drawing/2014/main" id="{680C0A65-34CA-4B69-B527-6EE7438394A6}"/>
+              </a:ext>
+            </a:extLst>
+          </p:cNvPr>
+          <p:cNvSpPr txBox="1"/>
+          <p:nvPr/>
+        </p:nvSpPr>
+        <p:spPr>
+          <a:xfrm>
+            <a:off x="42224" y="6488668"/>
+            <a:ext cx="635110" cy="369332"/>
+          </a:xfrm>
+          <a:prstGeom prst="rect">
+            <a:avLst/>
+          </a:prstGeom>
+          <a:noFill/>
+        </p:spPr>
+        <p:txBody>
+          <a:bodyPr wrap="none" rtlCol="0">
+            <a:spAutoFit/>
+          </a:bodyPr>
+          <a:lstStyle/>
+          <a:p>
+            <a:r>
+              <a:rPr lang="en-GB" dirty="0"/>
+              <a:t>1:00</a:t>
+            </a:r>
+          </a:p>
+        </p:txBody>
+      </p:sp>
     </p:spTree>
     <p:extLst>
       <p:ext uri="{BB962C8B-B14F-4D97-AF65-F5344CB8AC3E}">
@@ -42877,6 +43176,14 @@
   <p:clrMapOvr>
     <a:masterClrMapping/>
   </p:clrMapOvr>
+  <mc:AlternateContent xmlns:mc="http://schemas.openxmlformats.org/markup-compatibility/2006">
+    <mc:Choice xmlns:p14="http://schemas.microsoft.com/office/powerpoint/2010/main" Requires="p14">
+      <p:transition spd="slow" p14:dur="2000" advTm="60000"/>
+    </mc:Choice>
+    <mc:Fallback>
+      <p:transition spd="slow" advTm="60000"/>
+    </mc:Fallback>
+  </mc:AlternateContent>
 </p:sld>
 </file>
 
@@ -42968,6 +43275,41 @@
           </a:p>
         </p:txBody>
       </p:sp>
+      <p:sp>
+        <p:nvSpPr>
+          <p:cNvPr id="4" name="TextBox 3">
+            <a:extLst>
+              <a:ext uri="{FF2B5EF4-FFF2-40B4-BE49-F238E27FC236}">
+                <a16:creationId xmlns:a16="http://schemas.microsoft.com/office/drawing/2014/main" id="{4EA00940-17FA-47C3-8642-AE3D18751C04}"/>
+              </a:ext>
+            </a:extLst>
+          </p:cNvPr>
+          <p:cNvSpPr txBox="1"/>
+          <p:nvPr/>
+        </p:nvSpPr>
+        <p:spPr>
+          <a:xfrm flipH="1">
+            <a:off x="0" y="6488668"/>
+            <a:ext cx="1265496" cy="369332"/>
+          </a:xfrm>
+          <a:prstGeom prst="rect">
+            <a:avLst/>
+          </a:prstGeom>
+          <a:noFill/>
+        </p:spPr>
+        <p:txBody>
+          <a:bodyPr wrap="square" rtlCol="0">
+            <a:spAutoFit/>
+          </a:bodyPr>
+          <a:lstStyle/>
+          <a:p>
+            <a:r>
+              <a:rPr lang="en-GB" dirty="0"/>
+              <a:t>00:30</a:t>
+            </a:r>
+          </a:p>
+        </p:txBody>
+      </p:sp>
     </p:spTree>
     <p:extLst>
       <p:ext uri="{BB962C8B-B14F-4D97-AF65-F5344CB8AC3E}">
@@ -42978,6 +43320,14 @@
   <p:clrMapOvr>
     <a:masterClrMapping/>
   </p:clrMapOvr>
+  <mc:AlternateContent xmlns:mc="http://schemas.openxmlformats.org/markup-compatibility/2006">
+    <mc:Choice xmlns:p14="http://schemas.microsoft.com/office/powerpoint/2010/main" Requires="p14">
+      <p:transition spd="slow" p14:dur="2000" advTm="30000"/>
+    </mc:Choice>
+    <mc:Fallback>
+      <p:transition spd="slow" advTm="30000"/>
+    </mc:Fallback>
+  </mc:AlternateContent>
 </p:sld>
 </file>
 
